--- a/01_article/00_camera_model/image/00_camera_model.pptx
+++ b/01_article/00_camera_model/image/00_camera_model.pptx
@@ -266,7 +266,7 @@
           <a:p>
             <a:fld id="{16EEF6AB-B13A-4D39-97B4-B5FD69E71966}" type="datetimeFigureOut">
               <a:rPr kumimoji="1" lang="ja-JP" altLang="en-US" smtClean="0"/>
-              <a:t>2021/12/3</a:t>
+              <a:t>2021/12/10</a:t>
             </a:fld>
             <a:endParaRPr kumimoji="1" lang="ja-JP" altLang="en-US"/>
           </a:p>
@@ -496,7 +496,7 @@
           <a:p>
             <a:fld id="{16EEF6AB-B13A-4D39-97B4-B5FD69E71966}" type="datetimeFigureOut">
               <a:rPr kumimoji="1" lang="ja-JP" altLang="en-US" smtClean="0"/>
-              <a:t>2021/12/3</a:t>
+              <a:t>2021/12/10</a:t>
             </a:fld>
             <a:endParaRPr kumimoji="1" lang="ja-JP" altLang="en-US"/>
           </a:p>
@@ -736,7 +736,7 @@
           <a:p>
             <a:fld id="{16EEF6AB-B13A-4D39-97B4-B5FD69E71966}" type="datetimeFigureOut">
               <a:rPr kumimoji="1" lang="ja-JP" altLang="en-US" smtClean="0"/>
-              <a:t>2021/12/3</a:t>
+              <a:t>2021/12/10</a:t>
             </a:fld>
             <a:endParaRPr kumimoji="1" lang="ja-JP" altLang="en-US"/>
           </a:p>
@@ -966,7 +966,7 @@
           <a:p>
             <a:fld id="{16EEF6AB-B13A-4D39-97B4-B5FD69E71966}" type="datetimeFigureOut">
               <a:rPr kumimoji="1" lang="ja-JP" altLang="en-US" smtClean="0"/>
-              <a:t>2021/12/3</a:t>
+              <a:t>2021/12/10</a:t>
             </a:fld>
             <a:endParaRPr kumimoji="1" lang="ja-JP" altLang="en-US"/>
           </a:p>
@@ -1241,7 +1241,7 @@
           <a:p>
             <a:fld id="{16EEF6AB-B13A-4D39-97B4-B5FD69E71966}" type="datetimeFigureOut">
               <a:rPr kumimoji="1" lang="ja-JP" altLang="en-US" smtClean="0"/>
-              <a:t>2021/12/3</a:t>
+              <a:t>2021/12/10</a:t>
             </a:fld>
             <a:endParaRPr kumimoji="1" lang="ja-JP" altLang="en-US"/>
           </a:p>
@@ -1570,7 +1570,7 @@
           <a:p>
             <a:fld id="{16EEF6AB-B13A-4D39-97B4-B5FD69E71966}" type="datetimeFigureOut">
               <a:rPr kumimoji="1" lang="ja-JP" altLang="en-US" smtClean="0"/>
-              <a:t>2021/12/3</a:t>
+              <a:t>2021/12/10</a:t>
             </a:fld>
             <a:endParaRPr kumimoji="1" lang="ja-JP" altLang="en-US"/>
           </a:p>
@@ -2046,7 +2046,7 @@
           <a:p>
             <a:fld id="{16EEF6AB-B13A-4D39-97B4-B5FD69E71966}" type="datetimeFigureOut">
               <a:rPr kumimoji="1" lang="ja-JP" altLang="en-US" smtClean="0"/>
-              <a:t>2021/12/3</a:t>
+              <a:t>2021/12/10</a:t>
             </a:fld>
             <a:endParaRPr kumimoji="1" lang="ja-JP" altLang="en-US"/>
           </a:p>
@@ -2187,7 +2187,7 @@
           <a:p>
             <a:fld id="{16EEF6AB-B13A-4D39-97B4-B5FD69E71966}" type="datetimeFigureOut">
               <a:rPr kumimoji="1" lang="ja-JP" altLang="en-US" smtClean="0"/>
-              <a:t>2021/12/3</a:t>
+              <a:t>2021/12/10</a:t>
             </a:fld>
             <a:endParaRPr kumimoji="1" lang="ja-JP" altLang="en-US"/>
           </a:p>
@@ -2300,7 +2300,7 @@
           <a:p>
             <a:fld id="{16EEF6AB-B13A-4D39-97B4-B5FD69E71966}" type="datetimeFigureOut">
               <a:rPr kumimoji="1" lang="ja-JP" altLang="en-US" smtClean="0"/>
-              <a:t>2021/12/3</a:t>
+              <a:t>2021/12/10</a:t>
             </a:fld>
             <a:endParaRPr kumimoji="1" lang="ja-JP" altLang="en-US"/>
           </a:p>
@@ -2643,7 +2643,7 @@
           <a:p>
             <a:fld id="{16EEF6AB-B13A-4D39-97B4-B5FD69E71966}" type="datetimeFigureOut">
               <a:rPr kumimoji="1" lang="ja-JP" altLang="en-US" smtClean="0"/>
-              <a:t>2021/12/3</a:t>
+              <a:t>2021/12/10</a:t>
             </a:fld>
             <a:endParaRPr kumimoji="1" lang="ja-JP" altLang="en-US"/>
           </a:p>
@@ -2931,7 +2931,7 @@
           <a:p>
             <a:fld id="{16EEF6AB-B13A-4D39-97B4-B5FD69E71966}" type="datetimeFigureOut">
               <a:rPr kumimoji="1" lang="ja-JP" altLang="en-US" smtClean="0"/>
-              <a:t>2021/12/3</a:t>
+              <a:t>2021/12/10</a:t>
             </a:fld>
             <a:endParaRPr kumimoji="1" lang="ja-JP" altLang="en-US"/>
           </a:p>
@@ -3204,7 +3204,7 @@
           <a:p>
             <a:fld id="{16EEF6AB-B13A-4D39-97B4-B5FD69E71966}" type="datetimeFigureOut">
               <a:rPr kumimoji="1" lang="ja-JP" altLang="en-US" smtClean="0"/>
-              <a:t>2021/12/3</a:t>
+              <a:t>2021/12/10</a:t>
             </a:fld>
             <a:endParaRPr kumimoji="1" lang="ja-JP" altLang="en-US"/>
           </a:p>
@@ -8433,6 +8433,9 @@
             <a:avLst/>
           </a:prstGeom>
           <a:ln>
+            <a:solidFill>
+              <a:schemeClr val="accent2"/>
+            </a:solidFill>
             <a:tailEnd type="triangle" w="lg" len="lg"/>
           </a:ln>
         </p:spPr>
@@ -9152,6 +9155,9 @@
             <a:avLst/>
           </a:prstGeom>
           <a:ln>
+            <a:solidFill>
+              <a:schemeClr val="accent2"/>
+            </a:solidFill>
             <a:tailEnd type="triangle" w="lg" len="lg"/>
           </a:ln>
         </p:spPr>
